--- a/Analiza i budowa modelu predykcyjnego w oparciu o dane finansowe oraz wskaźniki finansowe.pptx
+++ b/Analiza i budowa modelu predykcyjnego w oparciu o dane finansowe oraz wskaźniki finansowe.pptx
@@ -9244,7 +9244,7 @@
             </a:pPr>
             <a:r>
               <a:rPr lang="pl"/>
-              <a:t>Wyniki</a:t>
+              <a:t>Wyniki modelu interpretowalnego</a:t>
             </a:r>
             <a:endParaRPr/>
           </a:p>
@@ -9626,7 +9626,7 @@
           </a:bodyPr>
           <a:lstStyle/>
           <a:p>
-            <a:pPr indent="-311150" lvl="0" marL="457200" rtl="0" algn="l">
+            <a:pPr indent="-311150" lvl="0" marL="457200" rtl="0" algn="just">
               <a:spcBef>
                 <a:spcPts val="0"/>
               </a:spcBef>
@@ -9646,7 +9646,7 @@
             <a:endParaRPr/>
           </a:p>
           <a:p>
-            <a:pPr indent="-311150" lvl="0" marL="457200" rtl="0" algn="l">
+            <a:pPr indent="-311150" lvl="0" marL="457200" rtl="0" algn="just">
               <a:spcBef>
                 <a:spcPts val="0"/>
               </a:spcBef>
@@ -9666,7 +9666,7 @@
             <a:endParaRPr/>
           </a:p>
           <a:p>
-            <a:pPr indent="-311150" lvl="0" marL="457200" rtl="0" algn="l">
+            <a:pPr indent="-311150" lvl="0" marL="457200" rtl="0" algn="just">
               <a:spcBef>
                 <a:spcPts val="0"/>
               </a:spcBef>
@@ -9772,7 +9772,7 @@
           </a:bodyPr>
           <a:lstStyle/>
           <a:p>
-            <a:pPr indent="-311150" lvl="0" marL="457200" rtl="0" algn="l">
+            <a:pPr indent="-311150" lvl="0" marL="457200" rtl="0" algn="just">
               <a:spcBef>
                 <a:spcPts val="0"/>
               </a:spcBef>
@@ -9792,7 +9792,7 @@
             <a:endParaRPr/>
           </a:p>
           <a:p>
-            <a:pPr indent="-311150" lvl="0" marL="457200" rtl="0" algn="l">
+            <a:pPr indent="-311150" lvl="0" marL="457200" rtl="0" algn="just">
               <a:spcBef>
                 <a:spcPts val="0"/>
               </a:spcBef>
@@ -9812,7 +9812,7 @@
             <a:endParaRPr/>
           </a:p>
           <a:p>
-            <a:pPr indent="-311150" lvl="0" marL="457200" rtl="0" algn="l">
+            <a:pPr indent="-311150" lvl="0" marL="457200" rtl="0" algn="just">
               <a:spcBef>
                 <a:spcPts val="0"/>
               </a:spcBef>
@@ -9824,7 +9824,7 @@
             </a:pPr>
             <a:r>
               <a:rPr lang="pl"/>
-              <a:t>Jedną z konsekwencji użycia PCA jest utrata interpretowalności modelu. Ponieważ składowe główne są kombinacją oryginalnych zmiennych, trudno jest bezpośrednio zrozumieć, jak poszczególne oryginalne zmienne wpływają na wyniki modelu.</a:t>
+              <a:t>Jedną z konsekwencji użycia PCA jest utrata interpretowalności modelu. Z uwagi na to, że składowe główne są kombinacją oryginalnych zmiennych, trudno jest bezpośrednio zrozumieć, jak poszczególne oryginalne zmienne wpływają na wyniki modelu.</a:t>
             </a:r>
             <a:endParaRPr/>
           </a:p>
@@ -9889,7 +9889,7 @@
             </a:pPr>
             <a:r>
               <a:rPr lang="pl"/>
-              <a:t>Wyniki</a:t>
+              <a:t>Wyniki modelu black-box</a:t>
             </a:r>
             <a:endParaRPr/>
           </a:p>
@@ -10075,7 +10075,7 @@
           </a:bodyPr>
           <a:lstStyle/>
           <a:p>
-            <a:pPr indent="-311150" lvl="0" marL="457200" marR="0" rtl="0" algn="l">
+            <a:pPr indent="-311150" lvl="0" marL="457200" marR="0" rtl="0" algn="just">
               <a:lnSpc>
                 <a:spcPct val="115000"/>
               </a:lnSpc>
@@ -10098,7 +10098,7 @@
             <a:endParaRPr/>
           </a:p>
           <a:p>
-            <a:pPr indent="-311150" lvl="0" marL="457200" marR="0" rtl="0" algn="l">
+            <a:pPr indent="-311150" lvl="0" marL="457200" marR="0" rtl="0" algn="just">
               <a:lnSpc>
                 <a:spcPct val="115000"/>
               </a:lnSpc>
@@ -10121,7 +10121,7 @@
             <a:endParaRPr/>
           </a:p>
           <a:p>
-            <a:pPr indent="-311150" lvl="0" marL="457200" marR="0" rtl="0" algn="l">
+            <a:pPr indent="-311150" lvl="0" marL="457200" marR="0" rtl="0" algn="just">
               <a:lnSpc>
                 <a:spcPct val="115000"/>
               </a:lnSpc>
@@ -10768,7 +10768,7 @@
           </a:bodyPr>
           <a:lstStyle/>
           <a:p>
-            <a:pPr indent="-311150" lvl="0" marL="457200" rtl="0" algn="l">
+            <a:pPr indent="-311150" lvl="0" marL="457200" rtl="0" algn="just">
               <a:spcBef>
                 <a:spcPts val="0"/>
               </a:spcBef>
@@ -10788,7 +10788,7 @@
             <a:endParaRPr/>
           </a:p>
           <a:p>
-            <a:pPr indent="-311150" lvl="0" marL="457200" rtl="0" algn="l">
+            <a:pPr indent="-311150" lvl="0" marL="457200" rtl="0" algn="just">
               <a:spcBef>
                 <a:spcPts val="0"/>
               </a:spcBef>
@@ -10808,7 +10808,7 @@
             <a:endParaRPr/>
           </a:p>
           <a:p>
-            <a:pPr indent="-311150" lvl="0" marL="457200" rtl="0" algn="l">
+            <a:pPr indent="-311150" lvl="0" marL="457200" rtl="0" algn="just">
               <a:spcBef>
                 <a:spcPts val="0"/>
               </a:spcBef>
@@ -10828,7 +10828,7 @@
             <a:endParaRPr/>
           </a:p>
           <a:p>
-            <a:pPr indent="-311150" lvl="0" marL="457200" rtl="0" algn="l">
+            <a:pPr indent="-311150" lvl="0" marL="457200" rtl="0" algn="just">
               <a:spcBef>
                 <a:spcPts val="0"/>
               </a:spcBef>
@@ -10934,7 +10934,7 @@
           </a:bodyPr>
           <a:lstStyle/>
           <a:p>
-            <a:pPr indent="-311150" lvl="0" marL="457200" rtl="0" algn="l">
+            <a:pPr indent="-311150" lvl="0" marL="457200" rtl="0" algn="just">
               <a:spcBef>
                 <a:spcPts val="0"/>
               </a:spcBef>
@@ -10954,7 +10954,7 @@
             <a:endParaRPr/>
           </a:p>
           <a:p>
-            <a:pPr indent="-311150" lvl="0" marL="457200" rtl="0" algn="l">
+            <a:pPr indent="-311150" lvl="0" marL="457200" rtl="0" algn="just">
               <a:spcBef>
                 <a:spcPts val="0"/>
               </a:spcBef>
@@ -10974,7 +10974,7 @@
             <a:endParaRPr/>
           </a:p>
           <a:p>
-            <a:pPr indent="-311150" lvl="0" marL="457200" rtl="0" algn="l">
+            <a:pPr indent="-311150" lvl="0" marL="457200" rtl="0" algn="just">
               <a:spcBef>
                 <a:spcPts val="0"/>
               </a:spcBef>
@@ -11080,7 +11080,7 @@
           </a:bodyPr>
           <a:lstStyle/>
           <a:p>
-            <a:pPr indent="-311150" lvl="0" marL="457200" rtl="0" algn="l">
+            <a:pPr indent="-311150" lvl="0" marL="457200" rtl="0" algn="just">
               <a:spcBef>
                 <a:spcPts val="0"/>
               </a:spcBef>
@@ -11100,7 +11100,7 @@
             <a:endParaRPr/>
           </a:p>
           <a:p>
-            <a:pPr indent="-311150" lvl="0" marL="457200" rtl="0" algn="l">
+            <a:pPr indent="-311150" lvl="0" marL="457200" rtl="0" algn="just">
               <a:spcBef>
                 <a:spcPts val="0"/>
               </a:spcBef>
@@ -11112,7 +11112,7 @@
             </a:pPr>
             <a:r>
               <a:rPr lang="pl"/>
-              <a:t>Test ANOVA został wykorzystany do oceny, czy różne zmienne w naszych danych mają statystycznie istotny wpływ na przewidywane zjawisko (w tym przypadku, 'default').</a:t>
+              <a:t>Test ANOVA został wykorzystany do oceny, czy różne zmienne w naszych danych mają statystycznie istotny wpływ na przewidywane zjawisko (w tym przypadku 'default').</a:t>
             </a:r>
             <a:br>
               <a:rPr lang="pl"/>
@@ -11120,7 +11120,7 @@
             <a:endParaRPr/>
           </a:p>
           <a:p>
-            <a:pPr indent="-311150" lvl="0" marL="457200" rtl="0" algn="l">
+            <a:pPr indent="-311150" lvl="0" marL="457200" rtl="0" algn="just">
               <a:spcBef>
                 <a:spcPts val="0"/>
               </a:spcBef>
@@ -11173,7 +11173,7 @@
         </p:nvSpPr>
         <p:spPr>
           <a:xfrm>
-            <a:off x="557500" y="1311175"/>
+            <a:off x="320925" y="1311175"/>
             <a:ext cx="7688700" cy="535200"/>
           </a:xfrm>
           <a:prstGeom prst="rect">
@@ -11214,7 +11214,7 @@
         <p:spPr>
           <a:xfrm>
             <a:off x="79025" y="2048975"/>
-            <a:ext cx="3568800" cy="2862900"/>
+            <a:ext cx="3469500" cy="2862900"/>
           </a:xfrm>
           <a:prstGeom prst="rect">
             <a:avLst/>
@@ -11226,7 +11226,7 @@
           </a:bodyPr>
           <a:lstStyle/>
           <a:p>
-            <a:pPr indent="-311150" lvl="0" marL="457200" rtl="0" algn="l">
+            <a:pPr indent="-311150" lvl="0" marL="457200" rtl="0" algn="just">
               <a:spcBef>
                 <a:spcPts val="0"/>
               </a:spcBef>
@@ -11246,7 +11246,7 @@
             <a:endParaRPr/>
           </a:p>
           <a:p>
-            <a:pPr indent="-311150" lvl="0" marL="457200" rtl="0" algn="l">
+            <a:pPr indent="-311150" lvl="0" marL="457200" rtl="0" algn="just">
               <a:spcBef>
                 <a:spcPts val="0"/>
               </a:spcBef>
@@ -11487,7 +11487,7 @@
           </a:bodyPr>
           <a:lstStyle/>
           <a:p>
-            <a:pPr indent="-311150" lvl="0" marL="457200" rtl="0" algn="l">
+            <a:pPr indent="-311150" lvl="0" marL="457200" rtl="0" algn="just">
               <a:spcBef>
                 <a:spcPts val="0"/>
               </a:spcBef>
@@ -11507,7 +11507,7 @@
             <a:endParaRPr/>
           </a:p>
           <a:p>
-            <a:pPr indent="-311150" lvl="0" marL="457200" rtl="0" algn="l">
+            <a:pPr indent="-311150" lvl="0" marL="457200" rtl="0" algn="just">
               <a:spcBef>
                 <a:spcPts val="0"/>
               </a:spcBef>
@@ -11527,7 +11527,7 @@
             <a:endParaRPr/>
           </a:p>
           <a:p>
-            <a:pPr indent="-311150" lvl="0" marL="457200" rtl="0" algn="l">
+            <a:pPr indent="-311150" lvl="0" marL="457200" rtl="0" algn="just">
               <a:spcBef>
                 <a:spcPts val="0"/>
               </a:spcBef>
@@ -11547,7 +11547,7 @@
             <a:endParaRPr/>
           </a:p>
           <a:p>
-            <a:pPr indent="-311150" lvl="0" marL="457200" rtl="0" algn="l">
+            <a:pPr indent="-311150" lvl="0" marL="457200" rtl="0" algn="just">
               <a:spcBef>
                 <a:spcPts val="0"/>
               </a:spcBef>
